--- a/ppt 16-9/1574.走出去.pptx
+++ b/ppt 16-9/1574.走出去.pptx
@@ -129,7 +129,7 @@
           <p:cNvPr id="2" name="标题 1">
             <a:extLst>
               <a:ext uri="{FF2B5EF4-FFF2-40B4-BE49-F238E27FC236}">
-                <a16:creationId xmlns:a16="http://schemas.microsoft.com/office/drawing/2014/main" id="{3A203213-AD74-D621-D5BC-6B60D53295C7}"/>
+                <a16:creationId xmlns:a16="http://schemas.microsoft.com/office/drawing/2014/main" id="{AA8426CD-48B6-E6EC-7CF1-24B39FE05F14}"/>
               </a:ext>
             </a:extLst>
           </p:cNvPr>
@@ -166,7 +166,7 @@
           <p:cNvPr id="3" name="副标题 2">
             <a:extLst>
               <a:ext uri="{FF2B5EF4-FFF2-40B4-BE49-F238E27FC236}">
-                <a16:creationId xmlns:a16="http://schemas.microsoft.com/office/drawing/2014/main" id="{3C2D006A-D6CB-6A1C-28C0-94F9E308F633}"/>
+                <a16:creationId xmlns:a16="http://schemas.microsoft.com/office/drawing/2014/main" id="{EF1520A7-F17E-7012-72EE-B778B6B417B5}"/>
               </a:ext>
             </a:extLst>
           </p:cNvPr>
@@ -236,7 +236,7 @@
           <p:cNvPr id="4" name="日期占位符 3">
             <a:extLst>
               <a:ext uri="{FF2B5EF4-FFF2-40B4-BE49-F238E27FC236}">
-                <a16:creationId xmlns:a16="http://schemas.microsoft.com/office/drawing/2014/main" id="{64818899-FCDC-5977-8AFB-F2D46F0C17C2}"/>
+                <a16:creationId xmlns:a16="http://schemas.microsoft.com/office/drawing/2014/main" id="{91D22600-7FC3-7F75-2B22-BA2B981B307B}"/>
               </a:ext>
             </a:extLst>
           </p:cNvPr>
@@ -252,7 +252,7 @@
           <a:bodyPr/>
           <a:lstStyle/>
           <a:p>
-            <a:fld id="{199DB869-F925-4D7A-A44E-379C529C8BF6}" type="datetimeFigureOut">
+            <a:fld id="{69AD6A77-0F67-44BC-8E56-3AE757644EFC}" type="datetimeFigureOut">
               <a:rPr lang="zh-CN" altLang="en-US" smtClean="0"/>
               <a:t>2024/3/10</a:t>
             </a:fld>
@@ -265,7 +265,7 @@
           <p:cNvPr id="5" name="页脚占位符 4">
             <a:extLst>
               <a:ext uri="{FF2B5EF4-FFF2-40B4-BE49-F238E27FC236}">
-                <a16:creationId xmlns:a16="http://schemas.microsoft.com/office/drawing/2014/main" id="{AA7D0D5F-28FB-2E38-4C73-99157E292088}"/>
+                <a16:creationId xmlns:a16="http://schemas.microsoft.com/office/drawing/2014/main" id="{2982D832-EA5C-BE4D-2BDB-FAEE9064F1CC}"/>
               </a:ext>
             </a:extLst>
           </p:cNvPr>
@@ -290,7 +290,7 @@
           <p:cNvPr id="6" name="灯片编号占位符 5">
             <a:extLst>
               <a:ext uri="{FF2B5EF4-FFF2-40B4-BE49-F238E27FC236}">
-                <a16:creationId xmlns:a16="http://schemas.microsoft.com/office/drawing/2014/main" id="{87ECFA51-C5AB-CC7A-0C8F-EFC402B8FA3A}"/>
+                <a16:creationId xmlns:a16="http://schemas.microsoft.com/office/drawing/2014/main" id="{9843A5A2-5C28-591A-EFE6-79C0AB9729D7}"/>
               </a:ext>
             </a:extLst>
           </p:cNvPr>
@@ -306,7 +306,7 @@
           <a:bodyPr/>
           <a:lstStyle/>
           <a:p>
-            <a:fld id="{A3CC1351-231D-45BF-9A02-74F5434D1575}" type="slidenum">
+            <a:fld id="{57288BEE-70DE-493A-8FBD-56E81ECF1E8C}" type="slidenum">
               <a:rPr lang="zh-CN" altLang="en-US" smtClean="0"/>
               <a:t>‹#›</a:t>
             </a:fld>
@@ -317,7 +317,7 @@
     </p:spTree>
     <p:extLst>
       <p:ext uri="{BB962C8B-B14F-4D97-AF65-F5344CB8AC3E}">
-        <p14:creationId xmlns:p14="http://schemas.microsoft.com/office/powerpoint/2010/main" val="1279949511"/>
+        <p14:creationId xmlns:p14="http://schemas.microsoft.com/office/powerpoint/2010/main" val="1868805504"/>
       </p:ext>
     </p:extLst>
   </p:cSld>
@@ -349,7 +349,7 @@
           <p:cNvPr id="2" name="标题 1">
             <a:extLst>
               <a:ext uri="{FF2B5EF4-FFF2-40B4-BE49-F238E27FC236}">
-                <a16:creationId xmlns:a16="http://schemas.microsoft.com/office/drawing/2014/main" id="{A22C5496-4457-F90A-FE33-D050E264764B}"/>
+                <a16:creationId xmlns:a16="http://schemas.microsoft.com/office/drawing/2014/main" id="{81CC4BC6-2956-F079-A7B2-EB75FB9EF9E3}"/>
               </a:ext>
             </a:extLst>
           </p:cNvPr>
@@ -377,7 +377,7 @@
           <p:cNvPr id="3" name="竖排文字占位符 2">
             <a:extLst>
               <a:ext uri="{FF2B5EF4-FFF2-40B4-BE49-F238E27FC236}">
-                <a16:creationId xmlns:a16="http://schemas.microsoft.com/office/drawing/2014/main" id="{0F1A2388-1B58-B4E4-9F59-C1C111E675B3}"/>
+                <a16:creationId xmlns:a16="http://schemas.microsoft.com/office/drawing/2014/main" id="{768FA2BF-09E0-FE4B-055C-887EA67C31B0}"/>
               </a:ext>
             </a:extLst>
           </p:cNvPr>
@@ -434,7 +434,7 @@
           <p:cNvPr id="4" name="日期占位符 3">
             <a:extLst>
               <a:ext uri="{FF2B5EF4-FFF2-40B4-BE49-F238E27FC236}">
-                <a16:creationId xmlns:a16="http://schemas.microsoft.com/office/drawing/2014/main" id="{73DE77B1-E137-933F-D332-65CC9ABA9E77}"/>
+                <a16:creationId xmlns:a16="http://schemas.microsoft.com/office/drawing/2014/main" id="{2193EC34-482F-8119-829C-D923B8216BEA}"/>
               </a:ext>
             </a:extLst>
           </p:cNvPr>
@@ -450,7 +450,7 @@
           <a:bodyPr/>
           <a:lstStyle/>
           <a:p>
-            <a:fld id="{199DB869-F925-4D7A-A44E-379C529C8BF6}" type="datetimeFigureOut">
+            <a:fld id="{69AD6A77-0F67-44BC-8E56-3AE757644EFC}" type="datetimeFigureOut">
               <a:rPr lang="zh-CN" altLang="en-US" smtClean="0"/>
               <a:t>2024/3/10</a:t>
             </a:fld>
@@ -463,7 +463,7 @@
           <p:cNvPr id="5" name="页脚占位符 4">
             <a:extLst>
               <a:ext uri="{FF2B5EF4-FFF2-40B4-BE49-F238E27FC236}">
-                <a16:creationId xmlns:a16="http://schemas.microsoft.com/office/drawing/2014/main" id="{D9A21816-B58A-1947-ECEC-F5F3367C674A}"/>
+                <a16:creationId xmlns:a16="http://schemas.microsoft.com/office/drawing/2014/main" id="{A8F6189F-B06A-1E99-576E-3EB2CDC24F21}"/>
               </a:ext>
             </a:extLst>
           </p:cNvPr>
@@ -488,7 +488,7 @@
           <p:cNvPr id="6" name="灯片编号占位符 5">
             <a:extLst>
               <a:ext uri="{FF2B5EF4-FFF2-40B4-BE49-F238E27FC236}">
-                <a16:creationId xmlns:a16="http://schemas.microsoft.com/office/drawing/2014/main" id="{FF9D31F5-6440-9663-0FB6-90FD0E8970B5}"/>
+                <a16:creationId xmlns:a16="http://schemas.microsoft.com/office/drawing/2014/main" id="{D9C7B24D-33F0-1C27-CA8F-3F1F6889B777}"/>
               </a:ext>
             </a:extLst>
           </p:cNvPr>
@@ -504,7 +504,7 @@
           <a:bodyPr/>
           <a:lstStyle/>
           <a:p>
-            <a:fld id="{A3CC1351-231D-45BF-9A02-74F5434D1575}" type="slidenum">
+            <a:fld id="{57288BEE-70DE-493A-8FBD-56E81ECF1E8C}" type="slidenum">
               <a:rPr lang="zh-CN" altLang="en-US" smtClean="0"/>
               <a:t>‹#›</a:t>
             </a:fld>
@@ -515,7 +515,7 @@
     </p:spTree>
     <p:extLst>
       <p:ext uri="{BB962C8B-B14F-4D97-AF65-F5344CB8AC3E}">
-        <p14:creationId xmlns:p14="http://schemas.microsoft.com/office/powerpoint/2010/main" val="1146172987"/>
+        <p14:creationId xmlns:p14="http://schemas.microsoft.com/office/powerpoint/2010/main" val="3933641727"/>
       </p:ext>
     </p:extLst>
   </p:cSld>
@@ -547,7 +547,7 @@
           <p:cNvPr id="2" name="竖排标题 1">
             <a:extLst>
               <a:ext uri="{FF2B5EF4-FFF2-40B4-BE49-F238E27FC236}">
-                <a16:creationId xmlns:a16="http://schemas.microsoft.com/office/drawing/2014/main" id="{73ED1242-88CA-5719-BCF8-C8C3F198C4E8}"/>
+                <a16:creationId xmlns:a16="http://schemas.microsoft.com/office/drawing/2014/main" id="{AE725299-398E-4EDD-6858-7A6036932EFB}"/>
               </a:ext>
             </a:extLst>
           </p:cNvPr>
@@ -580,7 +580,7 @@
           <p:cNvPr id="3" name="竖排文字占位符 2">
             <a:extLst>
               <a:ext uri="{FF2B5EF4-FFF2-40B4-BE49-F238E27FC236}">
-                <a16:creationId xmlns:a16="http://schemas.microsoft.com/office/drawing/2014/main" id="{A15F166A-7801-1ECC-903C-F540A9A15683}"/>
+                <a16:creationId xmlns:a16="http://schemas.microsoft.com/office/drawing/2014/main" id="{B8FC6843-328B-D9BA-78DB-0A056051C135}"/>
               </a:ext>
             </a:extLst>
           </p:cNvPr>
@@ -642,7 +642,7 @@
           <p:cNvPr id="4" name="日期占位符 3">
             <a:extLst>
               <a:ext uri="{FF2B5EF4-FFF2-40B4-BE49-F238E27FC236}">
-                <a16:creationId xmlns:a16="http://schemas.microsoft.com/office/drawing/2014/main" id="{BA912E6C-F230-8F97-DAC1-AC121E306F1E}"/>
+                <a16:creationId xmlns:a16="http://schemas.microsoft.com/office/drawing/2014/main" id="{4B74824A-8EB0-BD9E-9BF0-8A90F9F41FBE}"/>
               </a:ext>
             </a:extLst>
           </p:cNvPr>
@@ -658,7 +658,7 @@
           <a:bodyPr/>
           <a:lstStyle/>
           <a:p>
-            <a:fld id="{199DB869-F925-4D7A-A44E-379C529C8BF6}" type="datetimeFigureOut">
+            <a:fld id="{69AD6A77-0F67-44BC-8E56-3AE757644EFC}" type="datetimeFigureOut">
               <a:rPr lang="zh-CN" altLang="en-US" smtClean="0"/>
               <a:t>2024/3/10</a:t>
             </a:fld>
@@ -671,7 +671,7 @@
           <p:cNvPr id="5" name="页脚占位符 4">
             <a:extLst>
               <a:ext uri="{FF2B5EF4-FFF2-40B4-BE49-F238E27FC236}">
-                <a16:creationId xmlns:a16="http://schemas.microsoft.com/office/drawing/2014/main" id="{1AF60929-3822-CE57-071F-7A4A5A3D6FF3}"/>
+                <a16:creationId xmlns:a16="http://schemas.microsoft.com/office/drawing/2014/main" id="{04C4CA7C-046D-5CB9-3F53-44C62D545DB2}"/>
               </a:ext>
             </a:extLst>
           </p:cNvPr>
@@ -696,7 +696,7 @@
           <p:cNvPr id="6" name="灯片编号占位符 5">
             <a:extLst>
               <a:ext uri="{FF2B5EF4-FFF2-40B4-BE49-F238E27FC236}">
-                <a16:creationId xmlns:a16="http://schemas.microsoft.com/office/drawing/2014/main" id="{E4638480-BAAD-900B-072A-DB69DECFAA7E}"/>
+                <a16:creationId xmlns:a16="http://schemas.microsoft.com/office/drawing/2014/main" id="{E0E2BF8E-9856-16AD-C6B3-2925B1683CE9}"/>
               </a:ext>
             </a:extLst>
           </p:cNvPr>
@@ -712,7 +712,7 @@
           <a:bodyPr/>
           <a:lstStyle/>
           <a:p>
-            <a:fld id="{A3CC1351-231D-45BF-9A02-74F5434D1575}" type="slidenum">
+            <a:fld id="{57288BEE-70DE-493A-8FBD-56E81ECF1E8C}" type="slidenum">
               <a:rPr lang="zh-CN" altLang="en-US" smtClean="0"/>
               <a:t>‹#›</a:t>
             </a:fld>
@@ -723,7 +723,7 @@
     </p:spTree>
     <p:extLst>
       <p:ext uri="{BB962C8B-B14F-4D97-AF65-F5344CB8AC3E}">
-        <p14:creationId xmlns:p14="http://schemas.microsoft.com/office/powerpoint/2010/main" val="3803256736"/>
+        <p14:creationId xmlns:p14="http://schemas.microsoft.com/office/powerpoint/2010/main" val="2631779355"/>
       </p:ext>
     </p:extLst>
   </p:cSld>
@@ -755,7 +755,7 @@
           <p:cNvPr id="2" name="标题 1">
             <a:extLst>
               <a:ext uri="{FF2B5EF4-FFF2-40B4-BE49-F238E27FC236}">
-                <a16:creationId xmlns:a16="http://schemas.microsoft.com/office/drawing/2014/main" id="{8EA711DF-8E4A-316A-AA69-28DC705A5EC0}"/>
+                <a16:creationId xmlns:a16="http://schemas.microsoft.com/office/drawing/2014/main" id="{27F6FE34-7691-BDFA-47E9-85BA28036124}"/>
               </a:ext>
             </a:extLst>
           </p:cNvPr>
@@ -783,7 +783,7 @@
           <p:cNvPr id="3" name="内容占位符 2">
             <a:extLst>
               <a:ext uri="{FF2B5EF4-FFF2-40B4-BE49-F238E27FC236}">
-                <a16:creationId xmlns:a16="http://schemas.microsoft.com/office/drawing/2014/main" id="{2E485D4E-0295-7B13-0E06-5765F9E45815}"/>
+                <a16:creationId xmlns:a16="http://schemas.microsoft.com/office/drawing/2014/main" id="{3D70E4B6-4D28-38EE-EE17-9D809FAE0F6B}"/>
               </a:ext>
             </a:extLst>
           </p:cNvPr>
@@ -840,7 +840,7 @@
           <p:cNvPr id="4" name="日期占位符 3">
             <a:extLst>
               <a:ext uri="{FF2B5EF4-FFF2-40B4-BE49-F238E27FC236}">
-                <a16:creationId xmlns:a16="http://schemas.microsoft.com/office/drawing/2014/main" id="{9D9C3721-AC1F-B380-BEF6-33F359B8C430}"/>
+                <a16:creationId xmlns:a16="http://schemas.microsoft.com/office/drawing/2014/main" id="{AB8BFE94-A71C-86C8-6DBB-31A848DB045C}"/>
               </a:ext>
             </a:extLst>
           </p:cNvPr>
@@ -856,7 +856,7 @@
           <a:bodyPr/>
           <a:lstStyle/>
           <a:p>
-            <a:fld id="{199DB869-F925-4D7A-A44E-379C529C8BF6}" type="datetimeFigureOut">
+            <a:fld id="{69AD6A77-0F67-44BC-8E56-3AE757644EFC}" type="datetimeFigureOut">
               <a:rPr lang="zh-CN" altLang="en-US" smtClean="0"/>
               <a:t>2024/3/10</a:t>
             </a:fld>
@@ -869,7 +869,7 @@
           <p:cNvPr id="5" name="页脚占位符 4">
             <a:extLst>
               <a:ext uri="{FF2B5EF4-FFF2-40B4-BE49-F238E27FC236}">
-                <a16:creationId xmlns:a16="http://schemas.microsoft.com/office/drawing/2014/main" id="{4856BD9F-DC4C-24C8-FE17-DA7894B80CE0}"/>
+                <a16:creationId xmlns:a16="http://schemas.microsoft.com/office/drawing/2014/main" id="{F5F18ACB-F17B-D060-F73C-79EE2AB97C04}"/>
               </a:ext>
             </a:extLst>
           </p:cNvPr>
@@ -894,7 +894,7 @@
           <p:cNvPr id="6" name="灯片编号占位符 5">
             <a:extLst>
               <a:ext uri="{FF2B5EF4-FFF2-40B4-BE49-F238E27FC236}">
-                <a16:creationId xmlns:a16="http://schemas.microsoft.com/office/drawing/2014/main" id="{8D1509B8-1964-8F69-0B6C-5FC470607DE3}"/>
+                <a16:creationId xmlns:a16="http://schemas.microsoft.com/office/drawing/2014/main" id="{52A53592-46B2-A2B0-F1C4-DB6899990EB1}"/>
               </a:ext>
             </a:extLst>
           </p:cNvPr>
@@ -910,7 +910,7 @@
           <a:bodyPr/>
           <a:lstStyle/>
           <a:p>
-            <a:fld id="{A3CC1351-231D-45BF-9A02-74F5434D1575}" type="slidenum">
+            <a:fld id="{57288BEE-70DE-493A-8FBD-56E81ECF1E8C}" type="slidenum">
               <a:rPr lang="zh-CN" altLang="en-US" smtClean="0"/>
               <a:t>‹#›</a:t>
             </a:fld>
@@ -921,7 +921,7 @@
     </p:spTree>
     <p:extLst>
       <p:ext uri="{BB962C8B-B14F-4D97-AF65-F5344CB8AC3E}">
-        <p14:creationId xmlns:p14="http://schemas.microsoft.com/office/powerpoint/2010/main" val="3889347826"/>
+        <p14:creationId xmlns:p14="http://schemas.microsoft.com/office/powerpoint/2010/main" val="1779311126"/>
       </p:ext>
     </p:extLst>
   </p:cSld>
@@ -953,7 +953,7 @@
           <p:cNvPr id="2" name="标题 1">
             <a:extLst>
               <a:ext uri="{FF2B5EF4-FFF2-40B4-BE49-F238E27FC236}">
-                <a16:creationId xmlns:a16="http://schemas.microsoft.com/office/drawing/2014/main" id="{CDB1D534-35E2-4DA7-AB08-9A855BCEC653}"/>
+                <a16:creationId xmlns:a16="http://schemas.microsoft.com/office/drawing/2014/main" id="{0D18F947-C9CC-4F5B-51D7-816B36DC779B}"/>
               </a:ext>
             </a:extLst>
           </p:cNvPr>
@@ -990,7 +990,7 @@
           <p:cNvPr id="3" name="文本占位符 2">
             <a:extLst>
               <a:ext uri="{FF2B5EF4-FFF2-40B4-BE49-F238E27FC236}">
-                <a16:creationId xmlns:a16="http://schemas.microsoft.com/office/drawing/2014/main" id="{43987B4E-CCBA-B883-1591-597EFF48703F}"/>
+                <a16:creationId xmlns:a16="http://schemas.microsoft.com/office/drawing/2014/main" id="{CCBDE876-C71C-529D-5055-2A40B2CED98B}"/>
               </a:ext>
             </a:extLst>
           </p:cNvPr>
@@ -1115,7 +1115,7 @@
           <p:cNvPr id="4" name="日期占位符 3">
             <a:extLst>
               <a:ext uri="{FF2B5EF4-FFF2-40B4-BE49-F238E27FC236}">
-                <a16:creationId xmlns:a16="http://schemas.microsoft.com/office/drawing/2014/main" id="{5E79892B-40DE-5778-08A2-4A77417C307B}"/>
+                <a16:creationId xmlns:a16="http://schemas.microsoft.com/office/drawing/2014/main" id="{0B651BE3-6570-DB3B-09AD-13D8283BEDC1}"/>
               </a:ext>
             </a:extLst>
           </p:cNvPr>
@@ -1131,7 +1131,7 @@
           <a:bodyPr/>
           <a:lstStyle/>
           <a:p>
-            <a:fld id="{199DB869-F925-4D7A-A44E-379C529C8BF6}" type="datetimeFigureOut">
+            <a:fld id="{69AD6A77-0F67-44BC-8E56-3AE757644EFC}" type="datetimeFigureOut">
               <a:rPr lang="zh-CN" altLang="en-US" smtClean="0"/>
               <a:t>2024/3/10</a:t>
             </a:fld>
@@ -1144,7 +1144,7 @@
           <p:cNvPr id="5" name="页脚占位符 4">
             <a:extLst>
               <a:ext uri="{FF2B5EF4-FFF2-40B4-BE49-F238E27FC236}">
-                <a16:creationId xmlns:a16="http://schemas.microsoft.com/office/drawing/2014/main" id="{E269D361-74F5-027D-C3A2-D18F56BB76E3}"/>
+                <a16:creationId xmlns:a16="http://schemas.microsoft.com/office/drawing/2014/main" id="{2A2EE35A-0594-4F23-A3E6-E4B0B170D3EA}"/>
               </a:ext>
             </a:extLst>
           </p:cNvPr>
@@ -1169,7 +1169,7 @@
           <p:cNvPr id="6" name="灯片编号占位符 5">
             <a:extLst>
               <a:ext uri="{FF2B5EF4-FFF2-40B4-BE49-F238E27FC236}">
-                <a16:creationId xmlns:a16="http://schemas.microsoft.com/office/drawing/2014/main" id="{348A021A-8658-9169-95E0-2BD1E52B3966}"/>
+                <a16:creationId xmlns:a16="http://schemas.microsoft.com/office/drawing/2014/main" id="{451898DE-1ED9-9029-4514-83D2028B7769}"/>
               </a:ext>
             </a:extLst>
           </p:cNvPr>
@@ -1185,7 +1185,7 @@
           <a:bodyPr/>
           <a:lstStyle/>
           <a:p>
-            <a:fld id="{A3CC1351-231D-45BF-9A02-74F5434D1575}" type="slidenum">
+            <a:fld id="{57288BEE-70DE-493A-8FBD-56E81ECF1E8C}" type="slidenum">
               <a:rPr lang="zh-CN" altLang="en-US" smtClean="0"/>
               <a:t>‹#›</a:t>
             </a:fld>
@@ -1196,7 +1196,7 @@
     </p:spTree>
     <p:extLst>
       <p:ext uri="{BB962C8B-B14F-4D97-AF65-F5344CB8AC3E}">
-        <p14:creationId xmlns:p14="http://schemas.microsoft.com/office/powerpoint/2010/main" val="1527146617"/>
+        <p14:creationId xmlns:p14="http://schemas.microsoft.com/office/powerpoint/2010/main" val="3346449850"/>
       </p:ext>
     </p:extLst>
   </p:cSld>
@@ -1228,7 +1228,7 @@
           <p:cNvPr id="2" name="标题 1">
             <a:extLst>
               <a:ext uri="{FF2B5EF4-FFF2-40B4-BE49-F238E27FC236}">
-                <a16:creationId xmlns:a16="http://schemas.microsoft.com/office/drawing/2014/main" id="{16B25FA7-1938-0F28-B0DC-224F4D233699}"/>
+                <a16:creationId xmlns:a16="http://schemas.microsoft.com/office/drawing/2014/main" id="{C0703BE4-8206-6C58-8DDC-725002749FE6}"/>
               </a:ext>
             </a:extLst>
           </p:cNvPr>
@@ -1256,7 +1256,7 @@
           <p:cNvPr id="3" name="内容占位符 2">
             <a:extLst>
               <a:ext uri="{FF2B5EF4-FFF2-40B4-BE49-F238E27FC236}">
-                <a16:creationId xmlns:a16="http://schemas.microsoft.com/office/drawing/2014/main" id="{AF66EE86-BF0F-9CDF-45E8-808CD42F9214}"/>
+                <a16:creationId xmlns:a16="http://schemas.microsoft.com/office/drawing/2014/main" id="{82897377-46FE-50E8-F158-DF5E058CD8C9}"/>
               </a:ext>
             </a:extLst>
           </p:cNvPr>
@@ -1318,7 +1318,7 @@
           <p:cNvPr id="4" name="内容占位符 3">
             <a:extLst>
               <a:ext uri="{FF2B5EF4-FFF2-40B4-BE49-F238E27FC236}">
-                <a16:creationId xmlns:a16="http://schemas.microsoft.com/office/drawing/2014/main" id="{0AA36078-D2D7-8C44-D5E8-00550162EB7D}"/>
+                <a16:creationId xmlns:a16="http://schemas.microsoft.com/office/drawing/2014/main" id="{97E939A9-D15C-49B2-4584-323D6F88599C}"/>
               </a:ext>
             </a:extLst>
           </p:cNvPr>
@@ -1380,7 +1380,7 @@
           <p:cNvPr id="5" name="日期占位符 4">
             <a:extLst>
               <a:ext uri="{FF2B5EF4-FFF2-40B4-BE49-F238E27FC236}">
-                <a16:creationId xmlns:a16="http://schemas.microsoft.com/office/drawing/2014/main" id="{BCC26A53-12FB-DF74-2C75-A9FF162821D9}"/>
+                <a16:creationId xmlns:a16="http://schemas.microsoft.com/office/drawing/2014/main" id="{E0BF4EAB-6E6C-DC92-6C51-70A1AD637F4C}"/>
               </a:ext>
             </a:extLst>
           </p:cNvPr>
@@ -1396,7 +1396,7 @@
           <a:bodyPr/>
           <a:lstStyle/>
           <a:p>
-            <a:fld id="{199DB869-F925-4D7A-A44E-379C529C8BF6}" type="datetimeFigureOut">
+            <a:fld id="{69AD6A77-0F67-44BC-8E56-3AE757644EFC}" type="datetimeFigureOut">
               <a:rPr lang="zh-CN" altLang="en-US" smtClean="0"/>
               <a:t>2024/3/10</a:t>
             </a:fld>
@@ -1409,7 +1409,7 @@
           <p:cNvPr id="6" name="页脚占位符 5">
             <a:extLst>
               <a:ext uri="{FF2B5EF4-FFF2-40B4-BE49-F238E27FC236}">
-                <a16:creationId xmlns:a16="http://schemas.microsoft.com/office/drawing/2014/main" id="{01916E8B-8928-264C-ADE5-E3E9D4D4FF98}"/>
+                <a16:creationId xmlns:a16="http://schemas.microsoft.com/office/drawing/2014/main" id="{A2496A06-896C-A621-D8FF-4DFC13238098}"/>
               </a:ext>
             </a:extLst>
           </p:cNvPr>
@@ -1434,7 +1434,7 @@
           <p:cNvPr id="7" name="灯片编号占位符 6">
             <a:extLst>
               <a:ext uri="{FF2B5EF4-FFF2-40B4-BE49-F238E27FC236}">
-                <a16:creationId xmlns:a16="http://schemas.microsoft.com/office/drawing/2014/main" id="{22366691-9643-4BDD-9748-4402F0D57CC0}"/>
+                <a16:creationId xmlns:a16="http://schemas.microsoft.com/office/drawing/2014/main" id="{5184F251-8CA0-69A3-723A-F079591DB030}"/>
               </a:ext>
             </a:extLst>
           </p:cNvPr>
@@ -1450,7 +1450,7 @@
           <a:bodyPr/>
           <a:lstStyle/>
           <a:p>
-            <a:fld id="{A3CC1351-231D-45BF-9A02-74F5434D1575}" type="slidenum">
+            <a:fld id="{57288BEE-70DE-493A-8FBD-56E81ECF1E8C}" type="slidenum">
               <a:rPr lang="zh-CN" altLang="en-US" smtClean="0"/>
               <a:t>‹#›</a:t>
             </a:fld>
@@ -1461,7 +1461,7 @@
     </p:spTree>
     <p:extLst>
       <p:ext uri="{BB962C8B-B14F-4D97-AF65-F5344CB8AC3E}">
-        <p14:creationId xmlns:p14="http://schemas.microsoft.com/office/powerpoint/2010/main" val="2775411764"/>
+        <p14:creationId xmlns:p14="http://schemas.microsoft.com/office/powerpoint/2010/main" val="3810748794"/>
       </p:ext>
     </p:extLst>
   </p:cSld>
@@ -1493,7 +1493,7 @@
           <p:cNvPr id="2" name="标题 1">
             <a:extLst>
               <a:ext uri="{FF2B5EF4-FFF2-40B4-BE49-F238E27FC236}">
-                <a16:creationId xmlns:a16="http://schemas.microsoft.com/office/drawing/2014/main" id="{AAF2F740-8B5F-5650-33C1-171D88268379}"/>
+                <a16:creationId xmlns:a16="http://schemas.microsoft.com/office/drawing/2014/main" id="{08E317F4-434A-946B-408D-F7CE75A520DB}"/>
               </a:ext>
             </a:extLst>
           </p:cNvPr>
@@ -1526,7 +1526,7 @@
           <p:cNvPr id="3" name="文本占位符 2">
             <a:extLst>
               <a:ext uri="{FF2B5EF4-FFF2-40B4-BE49-F238E27FC236}">
-                <a16:creationId xmlns:a16="http://schemas.microsoft.com/office/drawing/2014/main" id="{AE6736CC-31C1-0296-9966-75BCF01CF90F}"/>
+                <a16:creationId xmlns:a16="http://schemas.microsoft.com/office/drawing/2014/main" id="{17233153-4026-5BD1-F3A0-0B750165060E}"/>
               </a:ext>
             </a:extLst>
           </p:cNvPr>
@@ -1597,7 +1597,7 @@
           <p:cNvPr id="4" name="内容占位符 3">
             <a:extLst>
               <a:ext uri="{FF2B5EF4-FFF2-40B4-BE49-F238E27FC236}">
-                <a16:creationId xmlns:a16="http://schemas.microsoft.com/office/drawing/2014/main" id="{6E628F6A-C156-E39E-5565-2E858F534269}"/>
+                <a16:creationId xmlns:a16="http://schemas.microsoft.com/office/drawing/2014/main" id="{39E1C4A2-3820-D02A-F550-FC7DEB9A70EA}"/>
               </a:ext>
             </a:extLst>
           </p:cNvPr>
@@ -1659,7 +1659,7 @@
           <p:cNvPr id="5" name="文本占位符 4">
             <a:extLst>
               <a:ext uri="{FF2B5EF4-FFF2-40B4-BE49-F238E27FC236}">
-                <a16:creationId xmlns:a16="http://schemas.microsoft.com/office/drawing/2014/main" id="{7E9F09E3-DF97-0E3A-6AF9-0CFA09A53CB1}"/>
+                <a16:creationId xmlns:a16="http://schemas.microsoft.com/office/drawing/2014/main" id="{1EA43390-47ED-946E-A01A-7568EDAF3336}"/>
               </a:ext>
             </a:extLst>
           </p:cNvPr>
@@ -1730,7 +1730,7 @@
           <p:cNvPr id="6" name="内容占位符 5">
             <a:extLst>
               <a:ext uri="{FF2B5EF4-FFF2-40B4-BE49-F238E27FC236}">
-                <a16:creationId xmlns:a16="http://schemas.microsoft.com/office/drawing/2014/main" id="{8556B66C-BC13-F47B-A4F5-42C7F775CEA5}"/>
+                <a16:creationId xmlns:a16="http://schemas.microsoft.com/office/drawing/2014/main" id="{70C3E306-DC1C-F3C9-F5A0-261B8FE3BB91}"/>
               </a:ext>
             </a:extLst>
           </p:cNvPr>
@@ -1792,7 +1792,7 @@
           <p:cNvPr id="7" name="日期占位符 6">
             <a:extLst>
               <a:ext uri="{FF2B5EF4-FFF2-40B4-BE49-F238E27FC236}">
-                <a16:creationId xmlns:a16="http://schemas.microsoft.com/office/drawing/2014/main" id="{F7F7DF6A-D55A-EFD6-9AF8-B07874BB4355}"/>
+                <a16:creationId xmlns:a16="http://schemas.microsoft.com/office/drawing/2014/main" id="{B657C79E-429E-BCBF-692B-9028D3B898C2}"/>
               </a:ext>
             </a:extLst>
           </p:cNvPr>
@@ -1808,7 +1808,7 @@
           <a:bodyPr/>
           <a:lstStyle/>
           <a:p>
-            <a:fld id="{199DB869-F925-4D7A-A44E-379C529C8BF6}" type="datetimeFigureOut">
+            <a:fld id="{69AD6A77-0F67-44BC-8E56-3AE757644EFC}" type="datetimeFigureOut">
               <a:rPr lang="zh-CN" altLang="en-US" smtClean="0"/>
               <a:t>2024/3/10</a:t>
             </a:fld>
@@ -1821,7 +1821,7 @@
           <p:cNvPr id="8" name="页脚占位符 7">
             <a:extLst>
               <a:ext uri="{FF2B5EF4-FFF2-40B4-BE49-F238E27FC236}">
-                <a16:creationId xmlns:a16="http://schemas.microsoft.com/office/drawing/2014/main" id="{30E10AFE-FB24-B7FD-00C5-99ED24DAB0D6}"/>
+                <a16:creationId xmlns:a16="http://schemas.microsoft.com/office/drawing/2014/main" id="{79600F03-6C46-0088-145C-99835775AD66}"/>
               </a:ext>
             </a:extLst>
           </p:cNvPr>
@@ -1846,7 +1846,7 @@
           <p:cNvPr id="9" name="灯片编号占位符 8">
             <a:extLst>
               <a:ext uri="{FF2B5EF4-FFF2-40B4-BE49-F238E27FC236}">
-                <a16:creationId xmlns:a16="http://schemas.microsoft.com/office/drawing/2014/main" id="{F50D1E26-DFC1-374A-118E-D05F050A55FF}"/>
+                <a16:creationId xmlns:a16="http://schemas.microsoft.com/office/drawing/2014/main" id="{5F82C80A-22EC-7B7A-6BAF-0AEFE762C404}"/>
               </a:ext>
             </a:extLst>
           </p:cNvPr>
@@ -1862,7 +1862,7 @@
           <a:bodyPr/>
           <a:lstStyle/>
           <a:p>
-            <a:fld id="{A3CC1351-231D-45BF-9A02-74F5434D1575}" type="slidenum">
+            <a:fld id="{57288BEE-70DE-493A-8FBD-56E81ECF1E8C}" type="slidenum">
               <a:rPr lang="zh-CN" altLang="en-US" smtClean="0"/>
               <a:t>‹#›</a:t>
             </a:fld>
@@ -1873,7 +1873,7 @@
     </p:spTree>
     <p:extLst>
       <p:ext uri="{BB962C8B-B14F-4D97-AF65-F5344CB8AC3E}">
-        <p14:creationId xmlns:p14="http://schemas.microsoft.com/office/powerpoint/2010/main" val="375698703"/>
+        <p14:creationId xmlns:p14="http://schemas.microsoft.com/office/powerpoint/2010/main" val="327103531"/>
       </p:ext>
     </p:extLst>
   </p:cSld>
@@ -1905,7 +1905,7 @@
           <p:cNvPr id="2" name="标题 1">
             <a:extLst>
               <a:ext uri="{FF2B5EF4-FFF2-40B4-BE49-F238E27FC236}">
-                <a16:creationId xmlns:a16="http://schemas.microsoft.com/office/drawing/2014/main" id="{BC1E9BF3-4EF1-E336-7D23-0C415C0BFA48}"/>
+                <a16:creationId xmlns:a16="http://schemas.microsoft.com/office/drawing/2014/main" id="{BE42395E-1912-4758-622D-44FEF7822B3C}"/>
               </a:ext>
             </a:extLst>
           </p:cNvPr>
@@ -1933,7 +1933,7 @@
           <p:cNvPr id="3" name="日期占位符 2">
             <a:extLst>
               <a:ext uri="{FF2B5EF4-FFF2-40B4-BE49-F238E27FC236}">
-                <a16:creationId xmlns:a16="http://schemas.microsoft.com/office/drawing/2014/main" id="{6A4EF67C-8F16-E8C3-8251-4F4F936BC961}"/>
+                <a16:creationId xmlns:a16="http://schemas.microsoft.com/office/drawing/2014/main" id="{5597431F-7EF0-E834-F0F8-35B690A82004}"/>
               </a:ext>
             </a:extLst>
           </p:cNvPr>
@@ -1949,7 +1949,7 @@
           <a:bodyPr/>
           <a:lstStyle/>
           <a:p>
-            <a:fld id="{199DB869-F925-4D7A-A44E-379C529C8BF6}" type="datetimeFigureOut">
+            <a:fld id="{69AD6A77-0F67-44BC-8E56-3AE757644EFC}" type="datetimeFigureOut">
               <a:rPr lang="zh-CN" altLang="en-US" smtClean="0"/>
               <a:t>2024/3/10</a:t>
             </a:fld>
@@ -1962,7 +1962,7 @@
           <p:cNvPr id="4" name="页脚占位符 3">
             <a:extLst>
               <a:ext uri="{FF2B5EF4-FFF2-40B4-BE49-F238E27FC236}">
-                <a16:creationId xmlns:a16="http://schemas.microsoft.com/office/drawing/2014/main" id="{4E20B887-0F47-0F15-44EF-25573C0B16F6}"/>
+                <a16:creationId xmlns:a16="http://schemas.microsoft.com/office/drawing/2014/main" id="{FC3DEA04-19D8-8415-8611-5D89CF24F649}"/>
               </a:ext>
             </a:extLst>
           </p:cNvPr>
@@ -1987,7 +1987,7 @@
           <p:cNvPr id="5" name="灯片编号占位符 4">
             <a:extLst>
               <a:ext uri="{FF2B5EF4-FFF2-40B4-BE49-F238E27FC236}">
-                <a16:creationId xmlns:a16="http://schemas.microsoft.com/office/drawing/2014/main" id="{DDE40F46-2C22-1133-F186-C55232C850D7}"/>
+                <a16:creationId xmlns:a16="http://schemas.microsoft.com/office/drawing/2014/main" id="{6231E064-124C-473B-0B05-19E1F103E2D3}"/>
               </a:ext>
             </a:extLst>
           </p:cNvPr>
@@ -2003,7 +2003,7 @@
           <a:bodyPr/>
           <a:lstStyle/>
           <a:p>
-            <a:fld id="{A3CC1351-231D-45BF-9A02-74F5434D1575}" type="slidenum">
+            <a:fld id="{57288BEE-70DE-493A-8FBD-56E81ECF1E8C}" type="slidenum">
               <a:rPr lang="zh-CN" altLang="en-US" smtClean="0"/>
               <a:t>‹#›</a:t>
             </a:fld>
@@ -2014,7 +2014,7 @@
     </p:spTree>
     <p:extLst>
       <p:ext uri="{BB962C8B-B14F-4D97-AF65-F5344CB8AC3E}">
-        <p14:creationId xmlns:p14="http://schemas.microsoft.com/office/powerpoint/2010/main" val="1887376714"/>
+        <p14:creationId xmlns:p14="http://schemas.microsoft.com/office/powerpoint/2010/main" val="2618702981"/>
       </p:ext>
     </p:extLst>
   </p:cSld>
@@ -2046,7 +2046,7 @@
           <p:cNvPr id="2" name="日期占位符 1">
             <a:extLst>
               <a:ext uri="{FF2B5EF4-FFF2-40B4-BE49-F238E27FC236}">
-                <a16:creationId xmlns:a16="http://schemas.microsoft.com/office/drawing/2014/main" id="{B34FB59C-2B13-77B6-AFC2-6BD21B85A6D6}"/>
+                <a16:creationId xmlns:a16="http://schemas.microsoft.com/office/drawing/2014/main" id="{9484B37B-C512-B42D-8AEB-A199A1380E32}"/>
               </a:ext>
             </a:extLst>
           </p:cNvPr>
@@ -2062,7 +2062,7 @@
           <a:bodyPr/>
           <a:lstStyle/>
           <a:p>
-            <a:fld id="{199DB869-F925-4D7A-A44E-379C529C8BF6}" type="datetimeFigureOut">
+            <a:fld id="{69AD6A77-0F67-44BC-8E56-3AE757644EFC}" type="datetimeFigureOut">
               <a:rPr lang="zh-CN" altLang="en-US" smtClean="0"/>
               <a:t>2024/3/10</a:t>
             </a:fld>
@@ -2075,7 +2075,7 @@
           <p:cNvPr id="3" name="页脚占位符 2">
             <a:extLst>
               <a:ext uri="{FF2B5EF4-FFF2-40B4-BE49-F238E27FC236}">
-                <a16:creationId xmlns:a16="http://schemas.microsoft.com/office/drawing/2014/main" id="{4AA34B43-3F1F-D38E-3BA4-C40F3B2A4E6F}"/>
+                <a16:creationId xmlns:a16="http://schemas.microsoft.com/office/drawing/2014/main" id="{58CFA81C-CCB4-0D24-E6DC-5FE3C56B78ED}"/>
               </a:ext>
             </a:extLst>
           </p:cNvPr>
@@ -2100,7 +2100,7 @@
           <p:cNvPr id="4" name="灯片编号占位符 3">
             <a:extLst>
               <a:ext uri="{FF2B5EF4-FFF2-40B4-BE49-F238E27FC236}">
-                <a16:creationId xmlns:a16="http://schemas.microsoft.com/office/drawing/2014/main" id="{5E9A72BE-23CB-9AD4-3D6B-1BEA2C337097}"/>
+                <a16:creationId xmlns:a16="http://schemas.microsoft.com/office/drawing/2014/main" id="{FA2DFE6F-6805-6953-930B-104651421942}"/>
               </a:ext>
             </a:extLst>
           </p:cNvPr>
@@ -2116,7 +2116,7 @@
           <a:bodyPr/>
           <a:lstStyle/>
           <a:p>
-            <a:fld id="{A3CC1351-231D-45BF-9A02-74F5434D1575}" type="slidenum">
+            <a:fld id="{57288BEE-70DE-493A-8FBD-56E81ECF1E8C}" type="slidenum">
               <a:rPr lang="zh-CN" altLang="en-US" smtClean="0"/>
               <a:t>‹#›</a:t>
             </a:fld>
@@ -2127,7 +2127,7 @@
     </p:spTree>
     <p:extLst>
       <p:ext uri="{BB962C8B-B14F-4D97-AF65-F5344CB8AC3E}">
-        <p14:creationId xmlns:p14="http://schemas.microsoft.com/office/powerpoint/2010/main" val="712356475"/>
+        <p14:creationId xmlns:p14="http://schemas.microsoft.com/office/powerpoint/2010/main" val="1606254787"/>
       </p:ext>
     </p:extLst>
   </p:cSld>
@@ -2159,7 +2159,7 @@
           <p:cNvPr id="2" name="标题 1">
             <a:extLst>
               <a:ext uri="{FF2B5EF4-FFF2-40B4-BE49-F238E27FC236}">
-                <a16:creationId xmlns:a16="http://schemas.microsoft.com/office/drawing/2014/main" id="{B92A80FF-09CA-C117-A442-EBFDE4A09206}"/>
+                <a16:creationId xmlns:a16="http://schemas.microsoft.com/office/drawing/2014/main" id="{E8A03F4E-C900-175B-3FB7-E50AE24B3F0E}"/>
               </a:ext>
             </a:extLst>
           </p:cNvPr>
@@ -2196,7 +2196,7 @@
           <p:cNvPr id="3" name="内容占位符 2">
             <a:extLst>
               <a:ext uri="{FF2B5EF4-FFF2-40B4-BE49-F238E27FC236}">
-                <a16:creationId xmlns:a16="http://schemas.microsoft.com/office/drawing/2014/main" id="{096D3EBB-04E9-3F86-3F6F-2DBF95D1217F}"/>
+                <a16:creationId xmlns:a16="http://schemas.microsoft.com/office/drawing/2014/main" id="{0E1062DD-9A58-6A61-D2FA-9AEA3BFE0D37}"/>
               </a:ext>
             </a:extLst>
           </p:cNvPr>
@@ -2286,7 +2286,7 @@
           <p:cNvPr id="4" name="文本占位符 3">
             <a:extLst>
               <a:ext uri="{FF2B5EF4-FFF2-40B4-BE49-F238E27FC236}">
-                <a16:creationId xmlns:a16="http://schemas.microsoft.com/office/drawing/2014/main" id="{8B25CF02-605C-D945-08F6-94B46D253511}"/>
+                <a16:creationId xmlns:a16="http://schemas.microsoft.com/office/drawing/2014/main" id="{2270FF67-E930-A3EA-606F-8B20DB30B5C4}"/>
               </a:ext>
             </a:extLst>
           </p:cNvPr>
@@ -2357,7 +2357,7 @@
           <p:cNvPr id="5" name="日期占位符 4">
             <a:extLst>
               <a:ext uri="{FF2B5EF4-FFF2-40B4-BE49-F238E27FC236}">
-                <a16:creationId xmlns:a16="http://schemas.microsoft.com/office/drawing/2014/main" id="{CCBC0AF0-D5E4-B06A-DCC5-FEE399D69E09}"/>
+                <a16:creationId xmlns:a16="http://schemas.microsoft.com/office/drawing/2014/main" id="{1BDDFAF7-0397-4A07-ECDE-64BFDB75FFFA}"/>
               </a:ext>
             </a:extLst>
           </p:cNvPr>
@@ -2373,7 +2373,7 @@
           <a:bodyPr/>
           <a:lstStyle/>
           <a:p>
-            <a:fld id="{199DB869-F925-4D7A-A44E-379C529C8BF6}" type="datetimeFigureOut">
+            <a:fld id="{69AD6A77-0F67-44BC-8E56-3AE757644EFC}" type="datetimeFigureOut">
               <a:rPr lang="zh-CN" altLang="en-US" smtClean="0"/>
               <a:t>2024/3/10</a:t>
             </a:fld>
@@ -2386,7 +2386,7 @@
           <p:cNvPr id="6" name="页脚占位符 5">
             <a:extLst>
               <a:ext uri="{FF2B5EF4-FFF2-40B4-BE49-F238E27FC236}">
-                <a16:creationId xmlns:a16="http://schemas.microsoft.com/office/drawing/2014/main" id="{474CEE66-20F8-76C2-2BB6-3488E880FACB}"/>
+                <a16:creationId xmlns:a16="http://schemas.microsoft.com/office/drawing/2014/main" id="{C6BFA9CE-407F-8421-6A9E-98989B44B137}"/>
               </a:ext>
             </a:extLst>
           </p:cNvPr>
@@ -2411,7 +2411,7 @@
           <p:cNvPr id="7" name="灯片编号占位符 6">
             <a:extLst>
               <a:ext uri="{FF2B5EF4-FFF2-40B4-BE49-F238E27FC236}">
-                <a16:creationId xmlns:a16="http://schemas.microsoft.com/office/drawing/2014/main" id="{3738C27A-9EFE-8E44-B1B1-9ECA0FA422CB}"/>
+                <a16:creationId xmlns:a16="http://schemas.microsoft.com/office/drawing/2014/main" id="{EB3ADFCD-7AB0-CDEC-2F17-CF20C2BDA677}"/>
               </a:ext>
             </a:extLst>
           </p:cNvPr>
@@ -2427,7 +2427,7 @@
           <a:bodyPr/>
           <a:lstStyle/>
           <a:p>
-            <a:fld id="{A3CC1351-231D-45BF-9A02-74F5434D1575}" type="slidenum">
+            <a:fld id="{57288BEE-70DE-493A-8FBD-56E81ECF1E8C}" type="slidenum">
               <a:rPr lang="zh-CN" altLang="en-US" smtClean="0"/>
               <a:t>‹#›</a:t>
             </a:fld>
@@ -2438,7 +2438,7 @@
     </p:spTree>
     <p:extLst>
       <p:ext uri="{BB962C8B-B14F-4D97-AF65-F5344CB8AC3E}">
-        <p14:creationId xmlns:p14="http://schemas.microsoft.com/office/powerpoint/2010/main" val="3017772139"/>
+        <p14:creationId xmlns:p14="http://schemas.microsoft.com/office/powerpoint/2010/main" val="2738207564"/>
       </p:ext>
     </p:extLst>
   </p:cSld>
@@ -2470,7 +2470,7 @@
           <p:cNvPr id="2" name="标题 1">
             <a:extLst>
               <a:ext uri="{FF2B5EF4-FFF2-40B4-BE49-F238E27FC236}">
-                <a16:creationId xmlns:a16="http://schemas.microsoft.com/office/drawing/2014/main" id="{87018AB6-7659-C4E2-08A1-DAAC8E918117}"/>
+                <a16:creationId xmlns:a16="http://schemas.microsoft.com/office/drawing/2014/main" id="{304D4267-C259-4967-8C84-39CF2298A031}"/>
               </a:ext>
             </a:extLst>
           </p:cNvPr>
@@ -2507,7 +2507,7 @@
           <p:cNvPr id="3" name="图片占位符 2">
             <a:extLst>
               <a:ext uri="{FF2B5EF4-FFF2-40B4-BE49-F238E27FC236}">
-                <a16:creationId xmlns:a16="http://schemas.microsoft.com/office/drawing/2014/main" id="{48E42C0D-1B7B-649F-5957-86D8450C09EC}"/>
+                <a16:creationId xmlns:a16="http://schemas.microsoft.com/office/drawing/2014/main" id="{2FF08FBA-DB82-FB4B-D758-4B50B75B2551}"/>
               </a:ext>
             </a:extLst>
           </p:cNvPr>
@@ -2574,7 +2574,7 @@
           <p:cNvPr id="4" name="文本占位符 3">
             <a:extLst>
               <a:ext uri="{FF2B5EF4-FFF2-40B4-BE49-F238E27FC236}">
-                <a16:creationId xmlns:a16="http://schemas.microsoft.com/office/drawing/2014/main" id="{A43F9CEC-83F0-BF6C-9937-AFE9A4F685CE}"/>
+                <a16:creationId xmlns:a16="http://schemas.microsoft.com/office/drawing/2014/main" id="{10DD10A2-FCEC-E138-9631-E2E2FCE8972B}"/>
               </a:ext>
             </a:extLst>
           </p:cNvPr>
@@ -2645,7 +2645,7 @@
           <p:cNvPr id="5" name="日期占位符 4">
             <a:extLst>
               <a:ext uri="{FF2B5EF4-FFF2-40B4-BE49-F238E27FC236}">
-                <a16:creationId xmlns:a16="http://schemas.microsoft.com/office/drawing/2014/main" id="{D2702116-7910-FB4E-D6B1-2EF51BDE4C7B}"/>
+                <a16:creationId xmlns:a16="http://schemas.microsoft.com/office/drawing/2014/main" id="{FE897505-5837-E28E-FBB5-1820673560CA}"/>
               </a:ext>
             </a:extLst>
           </p:cNvPr>
@@ -2661,7 +2661,7 @@
           <a:bodyPr/>
           <a:lstStyle/>
           <a:p>
-            <a:fld id="{199DB869-F925-4D7A-A44E-379C529C8BF6}" type="datetimeFigureOut">
+            <a:fld id="{69AD6A77-0F67-44BC-8E56-3AE757644EFC}" type="datetimeFigureOut">
               <a:rPr lang="zh-CN" altLang="en-US" smtClean="0"/>
               <a:t>2024/3/10</a:t>
             </a:fld>
@@ -2674,7 +2674,7 @@
           <p:cNvPr id="6" name="页脚占位符 5">
             <a:extLst>
               <a:ext uri="{FF2B5EF4-FFF2-40B4-BE49-F238E27FC236}">
-                <a16:creationId xmlns:a16="http://schemas.microsoft.com/office/drawing/2014/main" id="{11C4AF18-D3DE-8380-62F3-9DFA03FD8483}"/>
+                <a16:creationId xmlns:a16="http://schemas.microsoft.com/office/drawing/2014/main" id="{C363E988-42BA-7749-0FED-FA84F5CE4AE2}"/>
               </a:ext>
             </a:extLst>
           </p:cNvPr>
@@ -2699,7 +2699,7 @@
           <p:cNvPr id="7" name="灯片编号占位符 6">
             <a:extLst>
               <a:ext uri="{FF2B5EF4-FFF2-40B4-BE49-F238E27FC236}">
-                <a16:creationId xmlns:a16="http://schemas.microsoft.com/office/drawing/2014/main" id="{C1FC983D-3E1A-F4EE-6972-B37E1B02041F}"/>
+                <a16:creationId xmlns:a16="http://schemas.microsoft.com/office/drawing/2014/main" id="{F41EBC21-7103-A5EC-F3EE-61D44FB53A14}"/>
               </a:ext>
             </a:extLst>
           </p:cNvPr>
@@ -2715,7 +2715,7 @@
           <a:bodyPr/>
           <a:lstStyle/>
           <a:p>
-            <a:fld id="{A3CC1351-231D-45BF-9A02-74F5434D1575}" type="slidenum">
+            <a:fld id="{57288BEE-70DE-493A-8FBD-56E81ECF1E8C}" type="slidenum">
               <a:rPr lang="zh-CN" altLang="en-US" smtClean="0"/>
               <a:t>‹#›</a:t>
             </a:fld>
@@ -2726,7 +2726,7 @@
     </p:spTree>
     <p:extLst>
       <p:ext uri="{BB962C8B-B14F-4D97-AF65-F5344CB8AC3E}">
-        <p14:creationId xmlns:p14="http://schemas.microsoft.com/office/powerpoint/2010/main" val="1054168232"/>
+        <p14:creationId xmlns:p14="http://schemas.microsoft.com/office/powerpoint/2010/main" val="3053450133"/>
       </p:ext>
     </p:extLst>
   </p:cSld>
@@ -2763,7 +2763,7 @@
           <p:cNvPr id="2" name="标题占位符 1">
             <a:extLst>
               <a:ext uri="{FF2B5EF4-FFF2-40B4-BE49-F238E27FC236}">
-                <a16:creationId xmlns:a16="http://schemas.microsoft.com/office/drawing/2014/main" id="{8844A7F1-36BD-72E4-D82B-48E3763DD2A2}"/>
+                <a16:creationId xmlns:a16="http://schemas.microsoft.com/office/drawing/2014/main" id="{CFEDFDE8-3A1E-3D28-AC25-6B223B1281BE}"/>
               </a:ext>
             </a:extLst>
           </p:cNvPr>
@@ -2801,7 +2801,7 @@
           <p:cNvPr id="3" name="文本占位符 2">
             <a:extLst>
               <a:ext uri="{FF2B5EF4-FFF2-40B4-BE49-F238E27FC236}">
-                <a16:creationId xmlns:a16="http://schemas.microsoft.com/office/drawing/2014/main" id="{8A275D9F-189B-5FF7-DBA7-EBE728BE943C}"/>
+                <a16:creationId xmlns:a16="http://schemas.microsoft.com/office/drawing/2014/main" id="{85D28005-8007-2E88-45A5-FFD27C6D75BC}"/>
               </a:ext>
             </a:extLst>
           </p:cNvPr>
@@ -2868,7 +2868,7 @@
           <p:cNvPr id="4" name="日期占位符 3">
             <a:extLst>
               <a:ext uri="{FF2B5EF4-FFF2-40B4-BE49-F238E27FC236}">
-                <a16:creationId xmlns:a16="http://schemas.microsoft.com/office/drawing/2014/main" id="{630E379F-A465-0E78-993C-3CDE7F6B191D}"/>
+                <a16:creationId xmlns:a16="http://schemas.microsoft.com/office/drawing/2014/main" id="{F046AC0A-95F5-0A0A-4AF1-FD2751CD0773}"/>
               </a:ext>
             </a:extLst>
           </p:cNvPr>
@@ -2902,7 +2902,7 @@
             </a:lvl1pPr>
           </a:lstStyle>
           <a:p>
-            <a:fld id="{199DB869-F925-4D7A-A44E-379C529C8BF6}" type="datetimeFigureOut">
+            <a:fld id="{69AD6A77-0F67-44BC-8E56-3AE757644EFC}" type="datetimeFigureOut">
               <a:rPr lang="zh-CN" altLang="en-US" smtClean="0"/>
               <a:t>2024/3/10</a:t>
             </a:fld>
@@ -2915,7 +2915,7 @@
           <p:cNvPr id="5" name="页脚占位符 4">
             <a:extLst>
               <a:ext uri="{FF2B5EF4-FFF2-40B4-BE49-F238E27FC236}">
-                <a16:creationId xmlns:a16="http://schemas.microsoft.com/office/drawing/2014/main" id="{ACB97841-E641-5404-72CF-1DD7FF884E35}"/>
+                <a16:creationId xmlns:a16="http://schemas.microsoft.com/office/drawing/2014/main" id="{7728FAC8-2A9B-35EC-FFE9-EBF32B2E3C0A}"/>
               </a:ext>
             </a:extLst>
           </p:cNvPr>
@@ -2958,7 +2958,7 @@
           <p:cNvPr id="6" name="灯片编号占位符 5">
             <a:extLst>
               <a:ext uri="{FF2B5EF4-FFF2-40B4-BE49-F238E27FC236}">
-                <a16:creationId xmlns:a16="http://schemas.microsoft.com/office/drawing/2014/main" id="{604C8A36-317B-0448-B1EB-FD91905CDA72}"/>
+                <a16:creationId xmlns:a16="http://schemas.microsoft.com/office/drawing/2014/main" id="{A0A71F29-C158-56E4-6DA4-8DA619EBE130}"/>
               </a:ext>
             </a:extLst>
           </p:cNvPr>
@@ -2992,7 +2992,7 @@
             </a:lvl1pPr>
           </a:lstStyle>
           <a:p>
-            <a:fld id="{A3CC1351-231D-45BF-9A02-74F5434D1575}" type="slidenum">
+            <a:fld id="{57288BEE-70DE-493A-8FBD-56E81ECF1E8C}" type="slidenum">
               <a:rPr lang="zh-CN" altLang="en-US" smtClean="0"/>
               <a:t>‹#›</a:t>
             </a:fld>
@@ -3003,7 +3003,7 @@
     </p:spTree>
     <p:extLst>
       <p:ext uri="{BB962C8B-B14F-4D97-AF65-F5344CB8AC3E}">
-        <p14:creationId xmlns:p14="http://schemas.microsoft.com/office/powerpoint/2010/main" val="2256043182"/>
+        <p14:creationId xmlns:p14="http://schemas.microsoft.com/office/powerpoint/2010/main" val="3356132407"/>
       </p:ext>
     </p:extLst>
   </p:cSld>
